--- a/GoFundMe Present.pptx
+++ b/GoFundMe Present.pptx
@@ -117,6 +117,11 @@
       </a:defRPr>
     </a:lvl9pPr>
   </p:defaultTextStyle>
+  <p:extLst>
+    <p:ext uri="{EFAFB233-063F-42B5-8137-9DF3F51BA10A}">
+      <p15:sldGuideLst xmlns:p15="http://schemas.microsoft.com/office/powerpoint/2012/main"/>
+    </p:ext>
+  </p:extLst>
 </p:presentation>
 </file>
 
@@ -3683,7 +3688,7 @@
         </p:blipFill>
         <p:spPr>
           <a:xfrm>
-            <a:off x="838200" y="3822931"/>
+            <a:off x="761675" y="3822930"/>
             <a:ext cx="10668647" cy="2713806"/>
           </a:xfrm>
           <a:prstGeom prst="rect">
@@ -4349,7 +4354,7 @@
             </a:pPr>
             <a:r>
               <a:rPr lang="en-US" dirty="0"/>
-              <a:t>-  Find data on </a:t>
+              <a:t>- Find data on </a:t>
             </a:r>
             <a:r>
               <a:rPr lang="en-US" u="sng" dirty="0"/>
@@ -4364,7 +4369,18 @@
             <a:pPr marL="0" indent="0">
               <a:buNone/>
             </a:pPr>
-            <a:endParaRPr lang="en-US" u="sng" dirty="0"/>
+            <a:r>
+              <a:rPr lang="en-US" dirty="0"/>
+              <a:t>- Expand scope of scrape to incorporate and filter more </a:t>
+            </a:r>
+            <a:r>
+              <a:rPr lang="en-US" dirty="0" err="1"/>
+              <a:t>categoricals</a:t>
+            </a:r>
+            <a:r>
+              <a:rPr lang="en-US" dirty="0"/>
+              <a:t> (comments, FB interactions)</a:t>
+            </a:r>
           </a:p>
           <a:p>
             <a:pPr marL="0" indent="0">
@@ -4379,16 +4395,26 @@
             <a:pPr marL="0" indent="0">
               <a:buNone/>
             </a:pPr>
-            <a:endParaRPr lang="en-US" dirty="0"/>
-          </a:p>
-          <a:p>
-            <a:pPr marL="0" indent="0">
-              <a:buNone/>
-            </a:pPr>
             <a:r>
               <a:rPr lang="en-US" dirty="0"/>
               <a:t>- Granular categories (prevent crossover of campaign types)</a:t>
             </a:r>
+          </a:p>
+          <a:p>
+            <a:pPr marL="0" indent="0">
+              <a:buNone/>
+            </a:pPr>
+            <a:r>
+              <a:rPr lang="en-US" dirty="0"/>
+              <a:t>- More rigorous approach to NLP/Sentiment Analysis</a:t>
+            </a:r>
+          </a:p>
+          <a:p>
+            <a:pPr>
+              <a:buFontTx/>
+              <a:buChar char="-"/>
+            </a:pPr>
+            <a:endParaRPr lang="en-US" dirty="0"/>
           </a:p>
           <a:p>
             <a:pPr>
@@ -5330,10 +5356,9 @@
           <a:p>
             <a:pPr algn="ctr"/>
             <a:r>
-              <a:rPr lang="en-US"/>
-              <a:t>EDA</a:t>
-            </a:r>
-            <a:endParaRPr lang="en-US" dirty="0"/>
+              <a:rPr lang="en-US" dirty="0"/>
+              <a:t>EDA – Skewed Variables</a:t>
+            </a:r>
           </a:p>
         </p:txBody>
       </p:sp>
@@ -5417,7 +5442,7 @@
             <a:pPr algn="ctr"/>
             <a:r>
               <a:rPr lang="en-US" dirty="0"/>
-              <a:t>EDA</a:t>
+              <a:t>EDA – Normal Variables</a:t>
             </a:r>
           </a:p>
         </p:txBody>
@@ -5633,7 +5658,7 @@
             <a:pPr algn="ctr"/>
             <a:r>
               <a:rPr lang="en-US" dirty="0"/>
-              <a:t>EDA</a:t>
+              <a:t>EDA - All</a:t>
             </a:r>
           </a:p>
         </p:txBody>

--- a/GoFundMe Present.pptx
+++ b/GoFundMe Present.pptx
@@ -3526,8 +3526,8 @@
         </p:blipFill>
         <p:spPr>
           <a:xfrm>
-            <a:off x="625875" y="3922178"/>
-            <a:ext cx="10940249" cy="2663029"/>
+            <a:off x="556335" y="3908780"/>
+            <a:ext cx="10877134" cy="2663029"/>
           </a:xfrm>
           <a:prstGeom prst="rect">
             <a:avLst/>
@@ -5170,8 +5170,8 @@
         </p:blipFill>
         <p:spPr>
           <a:xfrm>
-            <a:off x="180975" y="3854621"/>
-            <a:ext cx="11934825" cy="2476500"/>
+            <a:off x="180976" y="3854621"/>
+            <a:ext cx="11830050" cy="2476500"/>
           </a:xfrm>
           <a:prstGeom prst="rect">
             <a:avLst/>
@@ -5269,7 +5269,7 @@
         </p:blipFill>
         <p:spPr>
           <a:xfrm>
-            <a:off x="620327" y="3707689"/>
+            <a:off x="558183" y="3707689"/>
             <a:ext cx="10613994" cy="2778527"/>
           </a:xfrm>
           <a:prstGeom prst="rect">
@@ -5589,8 +5589,8 @@
         </p:blipFill>
         <p:spPr>
           <a:xfrm>
-            <a:off x="138112" y="839822"/>
-            <a:ext cx="11915775" cy="2905125"/>
+            <a:off x="161925" y="805124"/>
+            <a:ext cx="11868150" cy="2905125"/>
           </a:xfrm>
           <a:prstGeom prst="rect">
             <a:avLst/>
@@ -5619,7 +5619,7 @@
         </p:blipFill>
         <p:spPr>
           <a:xfrm>
-            <a:off x="185737" y="3744947"/>
+            <a:off x="185737" y="3710249"/>
             <a:ext cx="11868150" cy="2971800"/>
           </a:xfrm>
           <a:prstGeom prst="rect">
@@ -5645,7 +5645,7 @@
         </p:nvSpPr>
         <p:spPr>
           <a:xfrm>
-            <a:off x="862012" y="203397"/>
+            <a:off x="862012" y="238095"/>
             <a:ext cx="10515600" cy="567029"/>
           </a:xfrm>
         </p:spPr>
